--- a/Week_5/02/Simple & Compound interest.pptx
+++ b/Week_5/02/Simple & Compound interest.pptx
@@ -105,7 +105,21 @@
       </a:defRPr>
     </a:lvl9pPr>
   </p:defaultTextStyle>
+  <p:extLst>
+    <p:ext uri="{EFAFB233-063F-42B5-8137-9DF3F51BA10A}">
+      <p15:sldGuideLst xmlns:p15="http://schemas.microsoft.com/office/powerpoint/2012/main"/>
+    </p:ext>
+  </p:extLst>
 </p:presentation>
+</file>
+
+<file path=ppt/revisionInfo.xml><?xml version="1.0" encoding="utf-8"?>
+<p1510:revInfo xmlns:a="http://schemas.openxmlformats.org/drawingml/2006/main" xmlns:r="http://schemas.openxmlformats.org/officeDocument/2006/relationships" xmlns:p1510="http://schemas.microsoft.com/office/powerpoint/2015/10/main">
+  <p1510:revLst>
+    <p1510:client id="{2938C59A-0225-48DD-95C7-6479B1356565}" v="20" dt="2025-09-28T08:10:36.362"/>
+    <p1510:client id="{39768E25-1AA3-41F1-8B03-3536A733CD99}" v="186" dt="2025-09-28T08:06:53.381"/>
+  </p1510:revLst>
+</p1510:revInfo>
 </file>
 
 <file path=ppt/slideLayouts/slideLayout1.xml><?xml version="1.0" encoding="utf-8"?>
@@ -247,7 +261,7 @@
           <a:p>
             <a:fld id="{B8942AFB-DDAD-4F9F-B6B5-FCC12485E5A6}" type="datetimeFigureOut">
               <a:rPr lang="en-IN" smtClean="0"/>
-              <a:t>22-09-2025</a:t>
+              <a:t>28-09-2025</a:t>
             </a:fld>
             <a:endParaRPr lang="en-IN"/>
           </a:p>
@@ -346,6 +360,9 @@
   <p:clrMapOvr>
     <a:masterClrMapping/>
   </p:clrMapOvr>
+  <p:transition spd="slow">
+    <p:push dir="u"/>
+  </p:transition>
 </p:sldLayout>
 </file>
 
@@ -458,7 +475,7 @@
           <a:p>
             <a:fld id="{B8942AFB-DDAD-4F9F-B6B5-FCC12485E5A6}" type="datetimeFigureOut">
               <a:rPr lang="en-IN" smtClean="0"/>
-              <a:t>22-09-2025</a:t>
+              <a:t>28-09-2025</a:t>
             </a:fld>
             <a:endParaRPr lang="en-IN"/>
           </a:p>
@@ -547,6 +564,9 @@
   <p:clrMapOvr>
     <a:masterClrMapping/>
   </p:clrMapOvr>
+  <p:transition spd="slow">
+    <p:push dir="u"/>
+  </p:transition>
 </p:sldLayout>
 </file>
 
@@ -673,7 +693,7 @@
           <a:p>
             <a:fld id="{B8942AFB-DDAD-4F9F-B6B5-FCC12485E5A6}" type="datetimeFigureOut">
               <a:rPr lang="en-IN" smtClean="0"/>
-              <a:t>22-09-2025</a:t>
+              <a:t>28-09-2025</a:t>
             </a:fld>
             <a:endParaRPr lang="en-IN"/>
           </a:p>
@@ -762,6 +782,9 @@
   <p:clrMapOvr>
     <a:masterClrMapping/>
   </p:clrMapOvr>
+  <p:transition spd="slow">
+    <p:push dir="u"/>
+  </p:transition>
 </p:sldLayout>
 </file>
 
@@ -874,7 +897,7 @@
           <a:p>
             <a:fld id="{B8942AFB-DDAD-4F9F-B6B5-FCC12485E5A6}" type="datetimeFigureOut">
               <a:rPr lang="en-IN" smtClean="0"/>
-              <a:t>22-09-2025</a:t>
+              <a:t>28-09-2025</a:t>
             </a:fld>
             <a:endParaRPr lang="en-IN"/>
           </a:p>
@@ -963,6 +986,9 @@
   <p:clrMapOvr>
     <a:masterClrMapping/>
   </p:clrMapOvr>
+  <p:transition spd="slow">
+    <p:push dir="u"/>
+  </p:transition>
 </p:sldLayout>
 </file>
 
@@ -1153,7 +1179,7 @@
           <a:p>
             <a:fld id="{B8942AFB-DDAD-4F9F-B6B5-FCC12485E5A6}" type="datetimeFigureOut">
               <a:rPr lang="en-IN" smtClean="0"/>
-              <a:t>22-09-2025</a:t>
+              <a:t>28-09-2025</a:t>
             </a:fld>
             <a:endParaRPr lang="en-IN"/>
           </a:p>
@@ -1242,6 +1268,9 @@
   <p:clrMapOvr>
     <a:masterClrMapping/>
   </p:clrMapOvr>
+  <p:transition spd="slow">
+    <p:push dir="u"/>
+  </p:transition>
 </p:sldLayout>
 </file>
 
@@ -1421,7 +1450,7 @@
           <a:p>
             <a:fld id="{B8942AFB-DDAD-4F9F-B6B5-FCC12485E5A6}" type="datetimeFigureOut">
               <a:rPr lang="en-IN" smtClean="0"/>
-              <a:t>22-09-2025</a:t>
+              <a:t>28-09-2025</a:t>
             </a:fld>
             <a:endParaRPr lang="en-IN"/>
           </a:p>
@@ -1510,6 +1539,9 @@
   <p:clrMapOvr>
     <a:masterClrMapping/>
   </p:clrMapOvr>
+  <p:transition spd="slow">
+    <p:push dir="u"/>
+  </p:transition>
 </p:sldLayout>
 </file>
 
@@ -1837,7 +1869,7 @@
           <a:p>
             <a:fld id="{B8942AFB-DDAD-4F9F-B6B5-FCC12485E5A6}" type="datetimeFigureOut">
               <a:rPr lang="en-IN" smtClean="0"/>
-              <a:t>22-09-2025</a:t>
+              <a:t>28-09-2025</a:t>
             </a:fld>
             <a:endParaRPr lang="en-IN"/>
           </a:p>
@@ -1926,6 +1958,9 @@
   <p:clrMapOvr>
     <a:masterClrMapping/>
   </p:clrMapOvr>
+  <p:transition spd="slow">
+    <p:push dir="u"/>
+  </p:transition>
 </p:sldLayout>
 </file>
 
@@ -1986,7 +2021,7 @@
           <a:p>
             <a:fld id="{B8942AFB-DDAD-4F9F-B6B5-FCC12485E5A6}" type="datetimeFigureOut">
               <a:rPr lang="en-IN" smtClean="0"/>
-              <a:t>22-09-2025</a:t>
+              <a:t>28-09-2025</a:t>
             </a:fld>
             <a:endParaRPr lang="en-IN"/>
           </a:p>
@@ -2075,6 +2110,9 @@
   <p:clrMapOvr>
     <a:masterClrMapping/>
   </p:clrMapOvr>
+  <p:transition spd="slow">
+    <p:push dir="u"/>
+  </p:transition>
 </p:sldLayout>
 </file>
 
@@ -2112,7 +2150,7 @@
           <a:p>
             <a:fld id="{B8942AFB-DDAD-4F9F-B6B5-FCC12485E5A6}" type="datetimeFigureOut">
               <a:rPr lang="en-IN" smtClean="0"/>
-              <a:t>22-09-2025</a:t>
+              <a:t>28-09-2025</a:t>
             </a:fld>
             <a:endParaRPr lang="en-IN"/>
           </a:p>
@@ -2170,6 +2208,9 @@
   <p:clrMapOvr>
     <a:masterClrMapping/>
   </p:clrMapOvr>
+  <p:transition spd="slow">
+    <p:push dir="u"/>
+  </p:transition>
 </p:sldLayout>
 </file>
 
@@ -2363,7 +2404,7 @@
           <a:p>
             <a:fld id="{B8942AFB-DDAD-4F9F-B6B5-FCC12485E5A6}" type="datetimeFigureOut">
               <a:rPr lang="en-IN" smtClean="0"/>
-              <a:t>22-09-2025</a:t>
+              <a:t>28-09-2025</a:t>
             </a:fld>
             <a:endParaRPr lang="en-IN"/>
           </a:p>
@@ -2452,6 +2493,9 @@
   <p:clrMapOvr>
     <a:masterClrMapping/>
   </p:clrMapOvr>
+  <p:transition spd="slow">
+    <p:push dir="u"/>
+  </p:transition>
 </p:sldLayout>
 </file>
 
@@ -2808,7 +2852,7 @@
           <a:p>
             <a:fld id="{B8942AFB-DDAD-4F9F-B6B5-FCC12485E5A6}" type="datetimeFigureOut">
               <a:rPr lang="en-IN" smtClean="0"/>
-              <a:t>22-09-2025</a:t>
+              <a:t>28-09-2025</a:t>
             </a:fld>
             <a:endParaRPr lang="en-IN"/>
           </a:p>
@@ -2902,6 +2946,9 @@
   <p:clrMapOvr>
     <a:masterClrMapping/>
   </p:clrMapOvr>
+  <p:transition spd="slow">
+    <p:push dir="u"/>
+  </p:transition>
 </p:sldLayout>
 </file>
 
@@ -3135,7 +3182,7 @@
           <a:p>
             <a:fld id="{B8942AFB-DDAD-4F9F-B6B5-FCC12485E5A6}" type="datetimeFigureOut">
               <a:rPr lang="en-IN" smtClean="0"/>
-              <a:t>22-09-2025</a:t>
+              <a:t>28-09-2025</a:t>
             </a:fld>
             <a:endParaRPr lang="en-IN"/>
           </a:p>
@@ -3275,6 +3322,9 @@
     <p:sldLayoutId id="2147483712" r:id="rId10"/>
     <p:sldLayoutId id="2147483713" r:id="rId11"/>
   </p:sldLayoutIdLst>
+  <p:transition spd="slow">
+    <p:push dir="u"/>
+  </p:transition>
   <p:txStyles>
     <p:titleStyle>
       <a:lvl1pPr algn="l" defTabSz="914400" rtl="0" eaLnBrk="1" latinLnBrk="0" hangingPunct="1">
@@ -3691,6 +3741,9 @@
   <p:clrMapOvr>
     <a:masterClrMapping/>
   </p:clrMapOvr>
+  <p:transition spd="slow">
+    <p:push dir="u"/>
+  </p:transition>
 </p:sld>
 </file>
 
@@ -3713,56 +3766,6 @@
       </p:grpSpPr>
       <p:sp>
         <p:nvSpPr>
-          <p:cNvPr id="4" name="Oval 3">
-            <a:extLst>
-              <a:ext uri="{FF2B5EF4-FFF2-40B4-BE49-F238E27FC236}">
-                <a16:creationId xmlns:a16="http://schemas.microsoft.com/office/drawing/2014/main" id="{1D50CCE0-3F75-90E3-455F-B43B1DDD299C}"/>
-              </a:ext>
-            </a:extLst>
-          </p:cNvPr>
-          <p:cNvSpPr/>
-          <p:nvPr/>
-        </p:nvSpPr>
-        <p:spPr>
-          <a:xfrm>
-            <a:off x="5029201" y="0"/>
-            <a:ext cx="948906" cy="638355"/>
-          </a:xfrm>
-          <a:prstGeom prst="ellipse">
-            <a:avLst/>
-          </a:prstGeom>
-        </p:spPr>
-        <p:style>
-          <a:lnRef idx="2">
-            <a:schemeClr val="accent3">
-              <a:shade val="15000"/>
-            </a:schemeClr>
-          </a:lnRef>
-          <a:fillRef idx="1">
-            <a:schemeClr val="accent3"/>
-          </a:fillRef>
-          <a:effectRef idx="0">
-            <a:schemeClr val="accent3"/>
-          </a:effectRef>
-          <a:fontRef idx="minor">
-            <a:schemeClr val="lt1"/>
-          </a:fontRef>
-        </p:style>
-        <p:txBody>
-          <a:bodyPr rtlCol="0" anchor="ctr"/>
-          <a:lstStyle/>
-          <a:p>
-            <a:pPr algn="ctr"/>
-            <a:r>
-              <a:rPr lang="en-US" dirty="0"/>
-              <a:t>Start</a:t>
-            </a:r>
-            <a:endParaRPr lang="en-IN" dirty="0"/>
-          </a:p>
-        </p:txBody>
-      </p:sp>
-      <p:sp>
-        <p:nvSpPr>
           <p:cNvPr id="6" name="Flowchart: Data 5">
             <a:extLst>
               <a:ext uri="{FF2B5EF4-FFF2-40B4-BE49-F238E27FC236}">
@@ -3775,12 +3778,18 @@
         </p:nvSpPr>
         <p:spPr>
           <a:xfrm>
-            <a:off x="3247846" y="1009291"/>
-            <a:ext cx="4300267" cy="1846052"/>
+            <a:off x="3353828" y="850839"/>
+            <a:ext cx="4300267" cy="1723076"/>
           </a:xfrm>
           <a:prstGeom prst="flowChartInputOutput">
             <a:avLst/>
           </a:prstGeom>
+          <a:solidFill>
+            <a:schemeClr val="accent3">
+              <a:lumMod val="60000"/>
+              <a:lumOff val="40000"/>
+            </a:schemeClr>
+          </a:solidFill>
         </p:spPr>
         <p:style>
           <a:lnRef idx="2">
@@ -3799,7 +3808,7 @@
           </a:fontRef>
         </p:style>
         <p:txBody>
-          <a:bodyPr rtlCol="0" anchor="ctr"/>
+          <a:bodyPr lIns="91440" tIns="45720" rIns="91440" bIns="45720" rtlCol="0" anchor="ctr"/>
           <a:lstStyle/>
           <a:p>
             <a:pPr algn="ctr"/>
@@ -3842,14 +3851,419 @@
               <a:rPr lang="en-US" dirty="0"/>
               <a:t>Read t</a:t>
             </a:r>
-            <a:endParaRPr lang="en-IN" dirty="0"/>
-          </a:p>
+            <a:r>
+              <a:rPr lang="en-IN" dirty="0"/>
+              <a:t> </a:t>
+            </a:r>
+          </a:p>
+        </p:txBody>
+      </p:sp>
+      <p:sp>
+        <p:nvSpPr>
+          <p:cNvPr id="2" name="Flowchart: Process 1">
+            <a:extLst>
+              <a:ext uri="{FF2B5EF4-FFF2-40B4-BE49-F238E27FC236}">
+                <a16:creationId xmlns:a16="http://schemas.microsoft.com/office/drawing/2014/main" id="{327DEDF5-CD2F-42C4-6A39-38EF75FC8A76}"/>
+              </a:ext>
+            </a:extLst>
+          </p:cNvPr>
+          <p:cNvSpPr/>
+          <p:nvPr/>
+        </p:nvSpPr>
+        <p:spPr>
+          <a:xfrm>
+            <a:off x="3532906" y="2882902"/>
+            <a:ext cx="3388136" cy="1088040"/>
+          </a:xfrm>
+          <a:prstGeom prst="flowChartProcess">
+            <a:avLst/>
+          </a:prstGeom>
+          <a:solidFill>
+            <a:schemeClr val="accent2">
+              <a:lumMod val="50000"/>
+            </a:schemeClr>
+          </a:solidFill>
+        </p:spPr>
+        <p:style>
+          <a:lnRef idx="2">
+            <a:schemeClr val="accent1">
+              <a:shade val="15000"/>
+            </a:schemeClr>
+          </a:lnRef>
+          <a:fillRef idx="1">
+            <a:schemeClr val="accent1"/>
+          </a:fillRef>
+          <a:effectRef idx="0">
+            <a:schemeClr val="accent1"/>
+          </a:effectRef>
+          <a:fontRef idx="minor">
+            <a:schemeClr val="lt1"/>
+          </a:fontRef>
+        </p:style>
+        <p:txBody>
+          <a:bodyPr rtlCol="0" anchor="ctr"/>
+          <a:lstStyle/>
           <a:p>
             <a:pPr algn="ctr"/>
-            <a:endParaRPr lang="en-IN" dirty="0"/>
-          </a:p>
-        </p:txBody>
-      </p:sp>
+            <a:r>
+              <a:rPr lang="en-US" dirty="0"/>
+              <a:t>R = r/100</a:t>
+            </a:r>
+          </a:p>
+          <a:p>
+            <a:pPr algn="ctr"/>
+            <a:r>
+              <a:rPr lang="en-US" dirty="0"/>
+              <a:t>Si  = p*r*t</a:t>
+            </a:r>
+          </a:p>
+          <a:p>
+            <a:pPr algn="ctr"/>
+            <a:r>
+              <a:rPr lang="en-US" dirty="0"/>
+              <a:t>Ci = p*(pow((1+r),t))</a:t>
+            </a:r>
+          </a:p>
+        </p:txBody>
+      </p:sp>
+      <p:sp>
+        <p:nvSpPr>
+          <p:cNvPr id="3" name="Flowchart: Data 2">
+            <a:extLst>
+              <a:ext uri="{FF2B5EF4-FFF2-40B4-BE49-F238E27FC236}">
+                <a16:creationId xmlns:a16="http://schemas.microsoft.com/office/drawing/2014/main" id="{BC552786-DC77-4C28-1549-DF1B1632FB09}"/>
+              </a:ext>
+            </a:extLst>
+          </p:cNvPr>
+          <p:cNvSpPr/>
+          <p:nvPr/>
+        </p:nvSpPr>
+        <p:spPr>
+          <a:xfrm>
+            <a:off x="2392758" y="4403481"/>
+            <a:ext cx="5589813" cy="1310255"/>
+          </a:xfrm>
+          <a:prstGeom prst="flowChartInputOutput">
+            <a:avLst/>
+          </a:prstGeom>
+          <a:solidFill>
+            <a:schemeClr val="accent3">
+              <a:lumMod val="60000"/>
+              <a:lumOff val="40000"/>
+            </a:schemeClr>
+          </a:solidFill>
+        </p:spPr>
+        <p:style>
+          <a:lnRef idx="2">
+            <a:schemeClr val="accent1">
+              <a:shade val="15000"/>
+            </a:schemeClr>
+          </a:lnRef>
+          <a:fillRef idx="1">
+            <a:schemeClr val="accent1"/>
+          </a:fillRef>
+          <a:effectRef idx="0">
+            <a:schemeClr val="accent1"/>
+          </a:effectRef>
+          <a:fontRef idx="minor">
+            <a:schemeClr val="lt1"/>
+          </a:fontRef>
+        </p:style>
+        <p:txBody>
+          <a:bodyPr rtlCol="0" anchor="ctr"/>
+          <a:lstStyle/>
+          <a:p>
+            <a:pPr algn="ctr"/>
+            <a:r>
+              <a:rPr lang="en-US" dirty="0"/>
+              <a:t>Write "Simple Interest =",</a:t>
+            </a:r>
+            <a:r>
+              <a:rPr lang="en-US" dirty="0" err="1"/>
+              <a:t>si</a:t>
+            </a:r>
+          </a:p>
+          <a:p>
+            <a:pPr algn="ctr"/>
+            <a:r>
+              <a:rPr lang="en-US" dirty="0"/>
+              <a:t>Write "Compound Interest = ", ci</a:t>
+            </a:r>
+          </a:p>
+        </p:txBody>
+      </p:sp>
+      <p:sp>
+        <p:nvSpPr>
+          <p:cNvPr id="5" name="Flowchart: Terminator 4">
+            <a:extLst>
+              <a:ext uri="{FF2B5EF4-FFF2-40B4-BE49-F238E27FC236}">
+                <a16:creationId xmlns:a16="http://schemas.microsoft.com/office/drawing/2014/main" id="{A0F50042-FEC3-21E2-4136-90FD7F68E552}"/>
+              </a:ext>
+            </a:extLst>
+          </p:cNvPr>
+          <p:cNvSpPr/>
+          <p:nvPr/>
+        </p:nvSpPr>
+        <p:spPr>
+          <a:xfrm>
+            <a:off x="4652393" y="6110307"/>
+            <a:ext cx="1265200" cy="565406"/>
+          </a:xfrm>
+          <a:prstGeom prst="flowChartTerminator">
+            <a:avLst/>
+          </a:prstGeom>
+          <a:solidFill>
+            <a:srgbClr val="C00000"/>
+          </a:solidFill>
+        </p:spPr>
+        <p:style>
+          <a:lnRef idx="2">
+            <a:schemeClr val="accent1">
+              <a:shade val="15000"/>
+            </a:schemeClr>
+          </a:lnRef>
+          <a:fillRef idx="1">
+            <a:schemeClr val="accent1"/>
+          </a:fillRef>
+          <a:effectRef idx="0">
+            <a:schemeClr val="accent1"/>
+          </a:effectRef>
+          <a:fontRef idx="minor">
+            <a:schemeClr val="lt1"/>
+          </a:fontRef>
+        </p:style>
+        <p:txBody>
+          <a:bodyPr rtlCol="0" anchor="ctr"/>
+          <a:lstStyle/>
+          <a:p>
+            <a:pPr algn="ctr"/>
+            <a:r>
+              <a:rPr lang="en-US" dirty="0"/>
+              <a:t>Stop</a:t>
+            </a:r>
+          </a:p>
+        </p:txBody>
+      </p:sp>
+      <p:sp>
+        <p:nvSpPr>
+          <p:cNvPr id="7" name="Flowchart: Terminator 6">
+            <a:extLst>
+              <a:ext uri="{FF2B5EF4-FFF2-40B4-BE49-F238E27FC236}">
+                <a16:creationId xmlns:a16="http://schemas.microsoft.com/office/drawing/2014/main" id="{05EEEAB2-AF3F-E803-345F-FF85E4344722}"/>
+              </a:ext>
+            </a:extLst>
+          </p:cNvPr>
+          <p:cNvSpPr/>
+          <p:nvPr/>
+        </p:nvSpPr>
+        <p:spPr>
+          <a:xfrm>
+            <a:off x="4993655" y="4943"/>
+            <a:ext cx="1013224" cy="410114"/>
+          </a:xfrm>
+          <a:prstGeom prst="flowChartTerminator">
+            <a:avLst/>
+          </a:prstGeom>
+          <a:solidFill>
+            <a:srgbClr val="92D050"/>
+          </a:solidFill>
+        </p:spPr>
+        <p:style>
+          <a:lnRef idx="2">
+            <a:schemeClr val="accent1">
+              <a:shade val="15000"/>
+            </a:schemeClr>
+          </a:lnRef>
+          <a:fillRef idx="1">
+            <a:schemeClr val="accent1"/>
+          </a:fillRef>
+          <a:effectRef idx="0">
+            <a:schemeClr val="accent1"/>
+          </a:effectRef>
+          <a:fontRef idx="minor">
+            <a:schemeClr val="lt1"/>
+          </a:fontRef>
+        </p:style>
+        <p:txBody>
+          <a:bodyPr rtlCol="0" anchor="ctr"/>
+          <a:lstStyle/>
+          <a:p>
+            <a:pPr algn="ctr"/>
+            <a:r>
+              <a:rPr lang="en-US" dirty="0"/>
+              <a:t>Start</a:t>
+            </a:r>
+          </a:p>
+        </p:txBody>
+      </p:sp>
+      <p:cxnSp>
+        <p:nvCxnSpPr>
+          <p:cNvPr id="8" name="Straight Arrow Connector 7">
+            <a:extLst>
+              <a:ext uri="{FF2B5EF4-FFF2-40B4-BE49-F238E27FC236}">
+                <a16:creationId xmlns:a16="http://schemas.microsoft.com/office/drawing/2014/main" id="{842CDD99-BA54-48C2-A2F8-6D3BAFB13A1D}"/>
+              </a:ext>
+            </a:extLst>
+          </p:cNvPr>
+          <p:cNvCxnSpPr/>
+          <p:nvPr/>
+        </p:nvCxnSpPr>
+        <p:spPr>
+          <a:xfrm flipH="1">
+            <a:off x="5455938" y="422176"/>
+            <a:ext cx="8235" cy="418187"/>
+          </a:xfrm>
+          <a:prstGeom prst="straightConnector1">
+            <a:avLst/>
+          </a:prstGeom>
+          <a:ln>
+            <a:solidFill>
+              <a:schemeClr val="tx1"/>
+            </a:solidFill>
+            <a:tailEnd type="triangle"/>
+          </a:ln>
+        </p:spPr>
+        <p:style>
+          <a:lnRef idx="1">
+            <a:schemeClr val="accent1"/>
+          </a:lnRef>
+          <a:fillRef idx="0">
+            <a:schemeClr val="accent1"/>
+          </a:fillRef>
+          <a:effectRef idx="0">
+            <a:schemeClr val="accent1"/>
+          </a:effectRef>
+          <a:fontRef idx="minor">
+            <a:schemeClr val="tx1"/>
+          </a:fontRef>
+        </p:style>
+      </p:cxnSp>
+      <p:cxnSp>
+        <p:nvCxnSpPr>
+          <p:cNvPr id="11" name="Straight Arrow Connector 10">
+            <a:extLst>
+              <a:ext uri="{FF2B5EF4-FFF2-40B4-BE49-F238E27FC236}">
+                <a16:creationId xmlns:a16="http://schemas.microsoft.com/office/drawing/2014/main" id="{B956A0DB-2E70-E3CF-BC8D-F734FAF0308F}"/>
+              </a:ext>
+            </a:extLst>
+          </p:cNvPr>
+          <p:cNvCxnSpPr/>
+          <p:nvPr/>
+        </p:nvCxnSpPr>
+        <p:spPr>
+          <a:xfrm flipH="1">
+            <a:off x="5224260" y="2582639"/>
+            <a:ext cx="5413" cy="305544"/>
+          </a:xfrm>
+          <a:prstGeom prst="straightConnector1">
+            <a:avLst/>
+          </a:prstGeom>
+          <a:ln>
+            <a:solidFill>
+              <a:schemeClr val="tx1"/>
+            </a:solidFill>
+            <a:tailEnd type="triangle"/>
+          </a:ln>
+        </p:spPr>
+        <p:style>
+          <a:lnRef idx="1">
+            <a:schemeClr val="accent1"/>
+          </a:lnRef>
+          <a:fillRef idx="0">
+            <a:schemeClr val="accent1"/>
+          </a:fillRef>
+          <a:effectRef idx="0">
+            <a:schemeClr val="accent1"/>
+          </a:effectRef>
+          <a:fontRef idx="minor">
+            <a:schemeClr val="tx1"/>
+          </a:fontRef>
+        </p:style>
+      </p:cxnSp>
+      <p:cxnSp>
+        <p:nvCxnSpPr>
+          <p:cNvPr id="12" name="Straight Arrow Connector 11">
+            <a:extLst>
+              <a:ext uri="{FF2B5EF4-FFF2-40B4-BE49-F238E27FC236}">
+                <a16:creationId xmlns:a16="http://schemas.microsoft.com/office/drawing/2014/main" id="{1F42A2F8-82B0-9597-810D-439C8F6B8F7C}"/>
+              </a:ext>
+            </a:extLst>
+          </p:cNvPr>
+          <p:cNvCxnSpPr/>
+          <p:nvPr/>
+        </p:nvCxnSpPr>
+        <p:spPr>
+          <a:xfrm>
+            <a:off x="5217611" y="3975111"/>
+            <a:ext cx="5318" cy="410207"/>
+          </a:xfrm>
+          <a:prstGeom prst="straightConnector1">
+            <a:avLst/>
+          </a:prstGeom>
+          <a:ln>
+            <a:solidFill>
+              <a:schemeClr val="tx1"/>
+            </a:solidFill>
+            <a:tailEnd type="triangle"/>
+          </a:ln>
+        </p:spPr>
+        <p:style>
+          <a:lnRef idx="1">
+            <a:schemeClr val="accent1"/>
+          </a:lnRef>
+          <a:fillRef idx="0">
+            <a:schemeClr val="accent1"/>
+          </a:fillRef>
+          <a:effectRef idx="0">
+            <a:schemeClr val="accent1"/>
+          </a:effectRef>
+          <a:fontRef idx="minor">
+            <a:schemeClr val="tx1"/>
+          </a:fontRef>
+        </p:style>
+      </p:cxnSp>
+      <p:cxnSp>
+        <p:nvCxnSpPr>
+          <p:cNvPr id="13" name="Straight Arrow Connector 12">
+            <a:extLst>
+              <a:ext uri="{FF2B5EF4-FFF2-40B4-BE49-F238E27FC236}">
+                <a16:creationId xmlns:a16="http://schemas.microsoft.com/office/drawing/2014/main" id="{FBE4120B-5568-E213-E00F-11C964B83BD6}"/>
+              </a:ext>
+            </a:extLst>
+          </p:cNvPr>
+          <p:cNvCxnSpPr/>
+          <p:nvPr/>
+        </p:nvCxnSpPr>
+        <p:spPr>
+          <a:xfrm>
+            <a:off x="5212291" y="5712068"/>
+            <a:ext cx="11968" cy="394062"/>
+          </a:xfrm>
+          <a:prstGeom prst="straightConnector1">
+            <a:avLst/>
+          </a:prstGeom>
+          <a:ln>
+            <a:solidFill>
+              <a:schemeClr val="tx1"/>
+            </a:solidFill>
+            <a:tailEnd type="triangle"/>
+          </a:ln>
+        </p:spPr>
+        <p:style>
+          <a:lnRef idx="1">
+            <a:schemeClr val="accent1"/>
+          </a:lnRef>
+          <a:fillRef idx="0">
+            <a:schemeClr val="accent1"/>
+          </a:fillRef>
+          <a:effectRef idx="0">
+            <a:schemeClr val="accent1"/>
+          </a:effectRef>
+          <a:fontRef idx="minor">
+            <a:schemeClr val="tx1"/>
+          </a:fontRef>
+        </p:style>
+      </p:cxnSp>
     </p:spTree>
     <p:extLst>
       <p:ext uri="{BB962C8B-B14F-4D97-AF65-F5344CB8AC3E}">
@@ -3860,6 +4274,9 @@
   <p:clrMapOvr>
     <a:masterClrMapping/>
   </p:clrMapOvr>
+  <p:transition spd="slow">
+    <p:push dir="u"/>
+  </p:transition>
 </p:sld>
 </file>
 
